--- a/courseMaterial/Objective-5-Java Arrays/Arrays.pptx
+++ b/courseMaterial/Objective-5-Java Arrays/Arrays.pptx
@@ -119,10 +119,10 @@
   </p:defaultTextStyle>
   <p:extLst>
     <p:ext uri="{EFAFB233-063F-42B5-8137-9DF3F51BA10A}">
-      <p15:sldGuideLst xmlns:p15="http://schemas.microsoft.com/office/powerpoint/2012/main" xmlns=""/>
+      <p15:sldGuideLst xmlns="" xmlns:p15="http://schemas.microsoft.com/office/powerpoint/2012/main"/>
     </p:ext>
     <p:ext uri="{2D200454-40CA-4A62-9FC3-DE9A4176ACB9}">
-      <p15:notesGuideLst xmlns:p15="http://schemas.microsoft.com/office/powerpoint/2012/main" xmlns=""/>
+      <p15:notesGuideLst xmlns="" xmlns:p15="http://schemas.microsoft.com/office/powerpoint/2012/main"/>
     </p:ext>
   </p:extLst>
 </p:presentation>
@@ -155,7 +155,7 @@
           <p:cNvPr id="2" name="Header Placeholder 1">
             <a:extLst>
               <a:ext uri="{FF2B5EF4-FFF2-40B4-BE49-F238E27FC236}">
-                <a16:creationId xmlns:a16="http://schemas.microsoft.com/office/drawing/2014/main" xmlns="" id="{2BC10188-DC2C-458D-AB41-143A0BE9A310}"/>
+                <a16:creationId xmlns="" xmlns:a16="http://schemas.microsoft.com/office/drawing/2014/main" id="{2BC10188-DC2C-458D-AB41-143A0BE9A310}"/>
               </a:ext>
             </a:extLst>
           </p:cNvPr>
@@ -192,7 +192,7 @@
           <p:cNvPr id="3" name="Date Placeholder 2">
             <a:extLst>
               <a:ext uri="{FF2B5EF4-FFF2-40B4-BE49-F238E27FC236}">
-                <a16:creationId xmlns:a16="http://schemas.microsoft.com/office/drawing/2014/main" xmlns="" id="{C9634E15-7196-43FC-B912-C4D8B4A2CE79}"/>
+                <a16:creationId xmlns="" xmlns:a16="http://schemas.microsoft.com/office/drawing/2014/main" id="{C9634E15-7196-43FC-B912-C4D8B4A2CE79}"/>
               </a:ext>
             </a:extLst>
           </p:cNvPr>
@@ -223,7 +223,7 @@
             <a:fld id="{68416927-5E9C-4E77-85FE-EE4C81C1DE39}" type="datetimeFigureOut">
               <a:rPr lang="en-US" smtClean="0"/>
               <a:pPr/>
-              <a:t>4/20/2020</a:t>
+              <a:t>4/28/2020</a:t>
             </a:fld>
             <a:endParaRPr lang="en-US" dirty="0"/>
           </a:p>
@@ -234,7 +234,7 @@
           <p:cNvPr id="4" name="Footer Placeholder 3">
             <a:extLst>
               <a:ext uri="{FF2B5EF4-FFF2-40B4-BE49-F238E27FC236}">
-                <a16:creationId xmlns:a16="http://schemas.microsoft.com/office/drawing/2014/main" xmlns="" id="{89EA2570-D5B6-41CB-96C2-FFC9944668E5}"/>
+                <a16:creationId xmlns="" xmlns:a16="http://schemas.microsoft.com/office/drawing/2014/main" id="{89EA2570-D5B6-41CB-96C2-FFC9944668E5}"/>
               </a:ext>
             </a:extLst>
           </p:cNvPr>
@@ -271,7 +271,7 @@
           <p:cNvPr id="5" name="Slide Number Placeholder 4">
             <a:extLst>
               <a:ext uri="{FF2B5EF4-FFF2-40B4-BE49-F238E27FC236}">
-                <a16:creationId xmlns:a16="http://schemas.microsoft.com/office/drawing/2014/main" xmlns="" id="{15C31B37-7A69-4C30-9B63-29F8242FC246}"/>
+                <a16:creationId xmlns="" xmlns:a16="http://schemas.microsoft.com/office/drawing/2014/main" id="{15C31B37-7A69-4C30-9B63-29F8242FC246}"/>
               </a:ext>
             </a:extLst>
           </p:cNvPr>
@@ -311,7 +311,7 @@
     </p:spTree>
     <p:extLst>
       <p:ext uri="{BB962C8B-B14F-4D97-AF65-F5344CB8AC3E}">
-        <p14:creationId xmlns:p14="http://schemas.microsoft.com/office/powerpoint/2010/main" xmlns="" val="2413100067"/>
+        <p14:creationId xmlns="" xmlns:p14="http://schemas.microsoft.com/office/powerpoint/2010/main" val="2413100067"/>
       </p:ext>
     </p:extLst>
   </p:cSld>
@@ -402,7 +402,7 @@
             <a:fld id="{FA798B7E-6604-4F74-86DB-B30627D56244}" type="datetimeFigureOut">
               <a:rPr lang="en-US" smtClean="0"/>
               <a:pPr/>
-              <a:t>4/20/2020</a:t>
+              <a:t>4/28/2020</a:t>
             </a:fld>
             <a:endParaRPr lang="en-US" dirty="0"/>
           </a:p>
@@ -570,7 +570,7 @@
     </p:spTree>
     <p:extLst>
       <p:ext uri="{BB962C8B-B14F-4D97-AF65-F5344CB8AC3E}">
-        <p14:creationId xmlns:p14="http://schemas.microsoft.com/office/powerpoint/2010/main" xmlns="" val="2075933273"/>
+        <p14:creationId xmlns="" xmlns:p14="http://schemas.microsoft.com/office/powerpoint/2010/main" val="2075933273"/>
       </p:ext>
     </p:extLst>
   </p:cSld>
@@ -692,7 +692,7 @@
           <p:cNvPr id="2" name="Title 1">
             <a:extLst>
               <a:ext uri="{FF2B5EF4-FFF2-40B4-BE49-F238E27FC236}">
-                <a16:creationId xmlns:a16="http://schemas.microsoft.com/office/drawing/2014/main" xmlns="" id="{E5798B13-3B32-4354-B2B5-3165F2F6E65F}"/>
+                <a16:creationId xmlns="" xmlns:a16="http://schemas.microsoft.com/office/drawing/2014/main" id="{E5798B13-3B32-4354-B2B5-3165F2F6E65F}"/>
               </a:ext>
             </a:extLst>
           </p:cNvPr>
@@ -735,7 +735,7 @@
           <p:cNvPr id="4" name="Text Placeholder 3">
             <a:extLst>
               <a:ext uri="{FF2B5EF4-FFF2-40B4-BE49-F238E27FC236}">
-                <a16:creationId xmlns:a16="http://schemas.microsoft.com/office/drawing/2014/main" xmlns="" id="{16BB88CF-DF4F-4857-8602-72BCF5DDCDA1}"/>
+                <a16:creationId xmlns="" xmlns:a16="http://schemas.microsoft.com/office/drawing/2014/main" id="{16BB88CF-DF4F-4857-8602-72BCF5DDCDA1}"/>
               </a:ext>
             </a:extLst>
           </p:cNvPr>
@@ -806,7 +806,7 @@
           <p:cNvPr id="12" name="Straight Connector 11">
             <a:extLst>
               <a:ext uri="{FF2B5EF4-FFF2-40B4-BE49-F238E27FC236}">
-                <a16:creationId xmlns:a16="http://schemas.microsoft.com/office/drawing/2014/main" xmlns="" id="{A7EEBB7C-1679-4665-8688-1FA973E73DC1}"/>
+                <a16:creationId xmlns="" xmlns:a16="http://schemas.microsoft.com/office/drawing/2014/main" id="{A7EEBB7C-1679-4665-8688-1FA973E73DC1}"/>
               </a:ext>
             </a:extLst>
           </p:cNvPr>
@@ -858,7 +858,7 @@
           <p:cNvPr id="7" name="Rectangle 6">
             <a:extLst>
               <a:ext uri="{FF2B5EF4-FFF2-40B4-BE49-F238E27FC236}">
-                <a16:creationId xmlns:a16="http://schemas.microsoft.com/office/drawing/2014/main" xmlns="" id="{F1E3214F-3A93-4A1C-920D-D86BE35A58FB}"/>
+                <a16:creationId xmlns="" xmlns:a16="http://schemas.microsoft.com/office/drawing/2014/main" id="{F1E3214F-3A93-4A1C-920D-D86BE35A58FB}"/>
               </a:ext>
             </a:extLst>
           </p:cNvPr>
@@ -913,7 +913,7 @@
           <p:cNvPr id="3" name="Slide Number Placeholder 2">
             <a:extLst>
               <a:ext uri="{FF2B5EF4-FFF2-40B4-BE49-F238E27FC236}">
-                <a16:creationId xmlns:a16="http://schemas.microsoft.com/office/drawing/2014/main" xmlns="" id="{213E97E5-C83B-444A-8C07-35D699E7C342}"/>
+                <a16:creationId xmlns="" xmlns:a16="http://schemas.microsoft.com/office/drawing/2014/main" id="{213E97E5-C83B-444A-8C07-35D699E7C342}"/>
               </a:ext>
             </a:extLst>
           </p:cNvPr>
@@ -945,7 +945,7 @@
     </p:spTree>
     <p:extLst>
       <p:ext uri="{BB962C8B-B14F-4D97-AF65-F5344CB8AC3E}">
-        <p14:creationId xmlns:p14="http://schemas.microsoft.com/office/powerpoint/2010/main" xmlns="" val="2226532245"/>
+        <p14:creationId xmlns="" xmlns:p14="http://schemas.microsoft.com/office/powerpoint/2010/main" val="2226532245"/>
       </p:ext>
     </p:extLst>
   </p:cSld>
@@ -977,7 +977,7 @@
           <p:cNvPr id="2" name="Title 1">
             <a:extLst>
               <a:ext uri="{FF2B5EF4-FFF2-40B4-BE49-F238E27FC236}">
-                <a16:creationId xmlns:a16="http://schemas.microsoft.com/office/drawing/2014/main" xmlns="" id="{0D1AB651-5612-4E6A-9B35-A555D082EC2F}"/>
+                <a16:creationId xmlns="" xmlns:a16="http://schemas.microsoft.com/office/drawing/2014/main" id="{0D1AB651-5612-4E6A-9B35-A555D082EC2F}"/>
               </a:ext>
             </a:extLst>
           </p:cNvPr>
@@ -1006,7 +1006,7 @@
           <p:cNvPr id="3" name="Content Placeholder 2">
             <a:extLst>
               <a:ext uri="{FF2B5EF4-FFF2-40B4-BE49-F238E27FC236}">
-                <a16:creationId xmlns:a16="http://schemas.microsoft.com/office/drawing/2014/main" xmlns="" id="{881389A2-D77B-40CA-AD1E-0178AEFAD15A}"/>
+                <a16:creationId xmlns="" xmlns:a16="http://schemas.microsoft.com/office/drawing/2014/main" id="{881389A2-D77B-40CA-AD1E-0178AEFAD15A}"/>
               </a:ext>
             </a:extLst>
           </p:cNvPr>
@@ -1087,7 +1087,7 @@
           <p:cNvPr id="4" name="Content Placeholder 3">
             <a:extLst>
               <a:ext uri="{FF2B5EF4-FFF2-40B4-BE49-F238E27FC236}">
-                <a16:creationId xmlns:a16="http://schemas.microsoft.com/office/drawing/2014/main" xmlns="" id="{A1DCA993-CBEA-48C5-BD35-50ABDFF64065}"/>
+                <a16:creationId xmlns="" xmlns:a16="http://schemas.microsoft.com/office/drawing/2014/main" id="{A1DCA993-CBEA-48C5-BD35-50ABDFF64065}"/>
               </a:ext>
             </a:extLst>
           </p:cNvPr>
@@ -1168,7 +1168,7 @@
           <p:cNvPr id="5" name="Slide Number Placeholder 4">
             <a:extLst>
               <a:ext uri="{FF2B5EF4-FFF2-40B4-BE49-F238E27FC236}">
-                <a16:creationId xmlns:a16="http://schemas.microsoft.com/office/drawing/2014/main" xmlns="" id="{B88ED8E0-95EC-469F-9B7E-562FBDFDE6CC}"/>
+                <a16:creationId xmlns="" xmlns:a16="http://schemas.microsoft.com/office/drawing/2014/main" id="{B88ED8E0-95EC-469F-9B7E-562FBDFDE6CC}"/>
               </a:ext>
             </a:extLst>
           </p:cNvPr>
@@ -1200,7 +1200,7 @@
     </p:spTree>
     <p:extLst>
       <p:ext uri="{BB962C8B-B14F-4D97-AF65-F5344CB8AC3E}">
-        <p14:creationId xmlns:p14="http://schemas.microsoft.com/office/powerpoint/2010/main" xmlns="" val="646344805"/>
+        <p14:creationId xmlns="" xmlns:p14="http://schemas.microsoft.com/office/powerpoint/2010/main" val="646344805"/>
       </p:ext>
     </p:extLst>
   </p:cSld>
@@ -1232,7 +1232,7 @@
           <p:cNvPr id="2" name="Title 1">
             <a:extLst>
               <a:ext uri="{FF2B5EF4-FFF2-40B4-BE49-F238E27FC236}">
-                <a16:creationId xmlns:a16="http://schemas.microsoft.com/office/drawing/2014/main" xmlns="" id="{EF776F88-2A37-410D-A685-E455AF3D07B4}"/>
+                <a16:creationId xmlns="" xmlns:a16="http://schemas.microsoft.com/office/drawing/2014/main" id="{EF776F88-2A37-410D-A685-E455AF3D07B4}"/>
               </a:ext>
             </a:extLst>
           </p:cNvPr>
@@ -1266,7 +1266,7 @@
           <p:cNvPr id="3" name="Text Placeholder 2">
             <a:extLst>
               <a:ext uri="{FF2B5EF4-FFF2-40B4-BE49-F238E27FC236}">
-                <a16:creationId xmlns:a16="http://schemas.microsoft.com/office/drawing/2014/main" xmlns="" id="{6C764B46-B015-44F7-8DC0-AFB8D275E486}"/>
+                <a16:creationId xmlns="" xmlns:a16="http://schemas.microsoft.com/office/drawing/2014/main" id="{6C764B46-B015-44F7-8DC0-AFB8D275E486}"/>
               </a:ext>
             </a:extLst>
           </p:cNvPr>
@@ -1337,7 +1337,7 @@
           <p:cNvPr id="4" name="Content Placeholder 3">
             <a:extLst>
               <a:ext uri="{FF2B5EF4-FFF2-40B4-BE49-F238E27FC236}">
-                <a16:creationId xmlns:a16="http://schemas.microsoft.com/office/drawing/2014/main" xmlns="" id="{2D3C8232-2077-497A-9142-B787E2B03A73}"/>
+                <a16:creationId xmlns="" xmlns:a16="http://schemas.microsoft.com/office/drawing/2014/main" id="{2D3C8232-2077-497A-9142-B787E2B03A73}"/>
               </a:ext>
             </a:extLst>
           </p:cNvPr>
@@ -1418,7 +1418,7 @@
           <p:cNvPr id="5" name="Text Placeholder 4">
             <a:extLst>
               <a:ext uri="{FF2B5EF4-FFF2-40B4-BE49-F238E27FC236}">
-                <a16:creationId xmlns:a16="http://schemas.microsoft.com/office/drawing/2014/main" xmlns="" id="{AAF6077C-D913-4FD0-B6E0-6D70BEFD40E6}"/>
+                <a16:creationId xmlns="" xmlns:a16="http://schemas.microsoft.com/office/drawing/2014/main" id="{AAF6077C-D913-4FD0-B6E0-6D70BEFD40E6}"/>
               </a:ext>
             </a:extLst>
           </p:cNvPr>
@@ -1489,7 +1489,7 @@
           <p:cNvPr id="6" name="Content Placeholder 5">
             <a:extLst>
               <a:ext uri="{FF2B5EF4-FFF2-40B4-BE49-F238E27FC236}">
-                <a16:creationId xmlns:a16="http://schemas.microsoft.com/office/drawing/2014/main" xmlns="" id="{43905DBB-3AA9-4435-AC97-732293FDE7EF}"/>
+                <a16:creationId xmlns="" xmlns:a16="http://schemas.microsoft.com/office/drawing/2014/main" id="{43905DBB-3AA9-4435-AC97-732293FDE7EF}"/>
               </a:ext>
             </a:extLst>
           </p:cNvPr>
@@ -1570,7 +1570,7 @@
           <p:cNvPr id="7" name="Slide Number Placeholder 6">
             <a:extLst>
               <a:ext uri="{FF2B5EF4-FFF2-40B4-BE49-F238E27FC236}">
-                <a16:creationId xmlns:a16="http://schemas.microsoft.com/office/drawing/2014/main" xmlns="" id="{1954C901-FCAF-4DFB-A621-6A969641CA73}"/>
+                <a16:creationId xmlns="" xmlns:a16="http://schemas.microsoft.com/office/drawing/2014/main" id="{1954C901-FCAF-4DFB-A621-6A969641CA73}"/>
               </a:ext>
             </a:extLst>
           </p:cNvPr>
@@ -1602,7 +1602,7 @@
     </p:spTree>
     <p:extLst>
       <p:ext uri="{BB962C8B-B14F-4D97-AF65-F5344CB8AC3E}">
-        <p14:creationId xmlns:p14="http://schemas.microsoft.com/office/powerpoint/2010/main" xmlns="" val="2292145525"/>
+        <p14:creationId xmlns="" xmlns:p14="http://schemas.microsoft.com/office/powerpoint/2010/main" val="2292145525"/>
       </p:ext>
     </p:extLst>
   </p:cSld>
@@ -1634,7 +1634,7 @@
           <p:cNvPr id="2" name="Title 1">
             <a:extLst>
               <a:ext uri="{FF2B5EF4-FFF2-40B4-BE49-F238E27FC236}">
-                <a16:creationId xmlns:a16="http://schemas.microsoft.com/office/drawing/2014/main" xmlns="" id="{99AF2623-2255-4BBA-9577-B3A3FD2AE8E8}"/>
+                <a16:creationId xmlns="" xmlns:a16="http://schemas.microsoft.com/office/drawing/2014/main" id="{99AF2623-2255-4BBA-9577-B3A3FD2AE8E8}"/>
               </a:ext>
             </a:extLst>
           </p:cNvPr>
@@ -1663,7 +1663,7 @@
           <p:cNvPr id="3" name="Slide Number Placeholder 2">
             <a:extLst>
               <a:ext uri="{FF2B5EF4-FFF2-40B4-BE49-F238E27FC236}">
-                <a16:creationId xmlns:a16="http://schemas.microsoft.com/office/drawing/2014/main" xmlns="" id="{5259F0F0-5E7C-4FC9-8E90-6ADCD7A714B6}"/>
+                <a16:creationId xmlns="" xmlns:a16="http://schemas.microsoft.com/office/drawing/2014/main" id="{5259F0F0-5E7C-4FC9-8E90-6ADCD7A714B6}"/>
               </a:ext>
             </a:extLst>
           </p:cNvPr>
@@ -1695,7 +1695,7 @@
     </p:spTree>
     <p:extLst>
       <p:ext uri="{BB962C8B-B14F-4D97-AF65-F5344CB8AC3E}">
-        <p14:creationId xmlns:p14="http://schemas.microsoft.com/office/powerpoint/2010/main" xmlns="" val="3105532259"/>
+        <p14:creationId xmlns="" xmlns:p14="http://schemas.microsoft.com/office/powerpoint/2010/main" val="3105532259"/>
       </p:ext>
     </p:extLst>
   </p:cSld>
@@ -1727,7 +1727,7 @@
           <p:cNvPr id="2" name="Slide Number Placeholder 1">
             <a:extLst>
               <a:ext uri="{FF2B5EF4-FFF2-40B4-BE49-F238E27FC236}">
-                <a16:creationId xmlns:a16="http://schemas.microsoft.com/office/drawing/2014/main" xmlns="" id="{0A9D3FFB-BE14-4D90-A515-10EDD1BEE6F1}"/>
+                <a16:creationId xmlns="" xmlns:a16="http://schemas.microsoft.com/office/drawing/2014/main" id="{0A9D3FFB-BE14-4D90-A515-10EDD1BEE6F1}"/>
               </a:ext>
             </a:extLst>
           </p:cNvPr>
@@ -1759,7 +1759,7 @@
     </p:spTree>
     <p:extLst>
       <p:ext uri="{BB962C8B-B14F-4D97-AF65-F5344CB8AC3E}">
-        <p14:creationId xmlns:p14="http://schemas.microsoft.com/office/powerpoint/2010/main" xmlns="" val="3627673970"/>
+        <p14:creationId xmlns="" xmlns:p14="http://schemas.microsoft.com/office/powerpoint/2010/main" val="3627673970"/>
       </p:ext>
     </p:extLst>
   </p:cSld>
@@ -1791,7 +1791,7 @@
           <p:cNvPr id="2" name="Title 1">
             <a:extLst>
               <a:ext uri="{FF2B5EF4-FFF2-40B4-BE49-F238E27FC236}">
-                <a16:creationId xmlns:a16="http://schemas.microsoft.com/office/drawing/2014/main" xmlns="" id="{A2451E51-BE82-4B1B-9CB6-89C26464DBE2}"/>
+                <a16:creationId xmlns="" xmlns:a16="http://schemas.microsoft.com/office/drawing/2014/main" id="{A2451E51-BE82-4B1B-9CB6-89C26464DBE2}"/>
               </a:ext>
             </a:extLst>
           </p:cNvPr>
@@ -1829,7 +1829,7 @@
           <p:cNvPr id="3" name="Content Placeholder 2">
             <a:extLst>
               <a:ext uri="{FF2B5EF4-FFF2-40B4-BE49-F238E27FC236}">
-                <a16:creationId xmlns:a16="http://schemas.microsoft.com/office/drawing/2014/main" xmlns="" id="{04CCBF8C-3CF7-47E6-9AB0-15584178B449}"/>
+                <a16:creationId xmlns="" xmlns:a16="http://schemas.microsoft.com/office/drawing/2014/main" id="{04CCBF8C-3CF7-47E6-9AB0-15584178B449}"/>
               </a:ext>
             </a:extLst>
           </p:cNvPr>
@@ -1920,7 +1920,7 @@
           <p:cNvPr id="4" name="Text Placeholder 3">
             <a:extLst>
               <a:ext uri="{FF2B5EF4-FFF2-40B4-BE49-F238E27FC236}">
-                <a16:creationId xmlns:a16="http://schemas.microsoft.com/office/drawing/2014/main" xmlns="" id="{3D07DA3C-0298-45CF-AFC3-41031C0763E3}"/>
+                <a16:creationId xmlns="" xmlns:a16="http://schemas.microsoft.com/office/drawing/2014/main" id="{3D07DA3C-0298-45CF-AFC3-41031C0763E3}"/>
               </a:ext>
             </a:extLst>
           </p:cNvPr>
@@ -1991,7 +1991,7 @@
           <p:cNvPr id="5" name="Slide Number Placeholder 4">
             <a:extLst>
               <a:ext uri="{FF2B5EF4-FFF2-40B4-BE49-F238E27FC236}">
-                <a16:creationId xmlns:a16="http://schemas.microsoft.com/office/drawing/2014/main" xmlns="" id="{F7C4FF87-D01E-416B-9EF8-E107C4EDDC42}"/>
+                <a16:creationId xmlns="" xmlns:a16="http://schemas.microsoft.com/office/drawing/2014/main" id="{F7C4FF87-D01E-416B-9EF8-E107C4EDDC42}"/>
               </a:ext>
             </a:extLst>
           </p:cNvPr>
@@ -2023,7 +2023,7 @@
     </p:spTree>
     <p:extLst>
       <p:ext uri="{BB962C8B-B14F-4D97-AF65-F5344CB8AC3E}">
-        <p14:creationId xmlns:p14="http://schemas.microsoft.com/office/powerpoint/2010/main" xmlns="" val="398533459"/>
+        <p14:creationId xmlns="" xmlns:p14="http://schemas.microsoft.com/office/powerpoint/2010/main" val="398533459"/>
       </p:ext>
     </p:extLst>
   </p:cSld>
@@ -2055,7 +2055,7 @@
           <p:cNvPr id="2" name="Title 1">
             <a:extLst>
               <a:ext uri="{FF2B5EF4-FFF2-40B4-BE49-F238E27FC236}">
-                <a16:creationId xmlns:a16="http://schemas.microsoft.com/office/drawing/2014/main" xmlns="" id="{E5798B13-3B32-4354-B2B5-3165F2F6E65F}"/>
+                <a16:creationId xmlns="" xmlns:a16="http://schemas.microsoft.com/office/drawing/2014/main" id="{E5798B13-3B32-4354-B2B5-3165F2F6E65F}"/>
               </a:ext>
             </a:extLst>
           </p:cNvPr>
@@ -2098,7 +2098,7 @@
           <p:cNvPr id="4" name="Text Placeholder 3">
             <a:extLst>
               <a:ext uri="{FF2B5EF4-FFF2-40B4-BE49-F238E27FC236}">
-                <a16:creationId xmlns:a16="http://schemas.microsoft.com/office/drawing/2014/main" xmlns="" id="{16BB88CF-DF4F-4857-8602-72BCF5DDCDA1}"/>
+                <a16:creationId xmlns="" xmlns:a16="http://schemas.microsoft.com/office/drawing/2014/main" id="{16BB88CF-DF4F-4857-8602-72BCF5DDCDA1}"/>
               </a:ext>
             </a:extLst>
           </p:cNvPr>
@@ -2169,7 +2169,7 @@
           <p:cNvPr id="12" name="Straight Connector 11">
             <a:extLst>
               <a:ext uri="{FF2B5EF4-FFF2-40B4-BE49-F238E27FC236}">
-                <a16:creationId xmlns:a16="http://schemas.microsoft.com/office/drawing/2014/main" xmlns="" id="{A7EEBB7C-1679-4665-8688-1FA973E73DC1}"/>
+                <a16:creationId xmlns="" xmlns:a16="http://schemas.microsoft.com/office/drawing/2014/main" id="{A7EEBB7C-1679-4665-8688-1FA973E73DC1}"/>
               </a:ext>
             </a:extLst>
           </p:cNvPr>
@@ -2221,7 +2221,7 @@
           <p:cNvPr id="7" name="Rectangle 6">
             <a:extLst>
               <a:ext uri="{FF2B5EF4-FFF2-40B4-BE49-F238E27FC236}">
-                <a16:creationId xmlns:a16="http://schemas.microsoft.com/office/drawing/2014/main" xmlns="" id="{F1E3214F-3A93-4A1C-920D-D86BE35A58FB}"/>
+                <a16:creationId xmlns="" xmlns:a16="http://schemas.microsoft.com/office/drawing/2014/main" id="{F1E3214F-3A93-4A1C-920D-D86BE35A58FB}"/>
               </a:ext>
             </a:extLst>
           </p:cNvPr>
@@ -2276,7 +2276,7 @@
           <p:cNvPr id="3" name="Slide Number Placeholder 2">
             <a:extLst>
               <a:ext uri="{FF2B5EF4-FFF2-40B4-BE49-F238E27FC236}">
-                <a16:creationId xmlns:a16="http://schemas.microsoft.com/office/drawing/2014/main" xmlns="" id="{213E97E5-C83B-444A-8C07-35D699E7C342}"/>
+                <a16:creationId xmlns="" xmlns:a16="http://schemas.microsoft.com/office/drawing/2014/main" id="{213E97E5-C83B-444A-8C07-35D699E7C342}"/>
               </a:ext>
             </a:extLst>
           </p:cNvPr>
@@ -2310,7 +2310,7 @@
           <p:cNvPr id="8" name="Picture Placeholder 2">
             <a:extLst>
               <a:ext uri="{FF2B5EF4-FFF2-40B4-BE49-F238E27FC236}">
-                <a16:creationId xmlns:a16="http://schemas.microsoft.com/office/drawing/2014/main" xmlns="" id="{2641ECAC-0557-4843-8433-067E4414E2F5}"/>
+                <a16:creationId xmlns="" xmlns:a16="http://schemas.microsoft.com/office/drawing/2014/main" id="{2641ECAC-0557-4843-8433-067E4414E2F5}"/>
               </a:ext>
             </a:extLst>
           </p:cNvPr>
@@ -2386,7 +2386,7 @@
     </p:spTree>
     <p:extLst>
       <p:ext uri="{BB962C8B-B14F-4D97-AF65-F5344CB8AC3E}">
-        <p14:creationId xmlns:p14="http://schemas.microsoft.com/office/powerpoint/2010/main" xmlns="" val="3394383312"/>
+        <p14:creationId xmlns="" xmlns:p14="http://schemas.microsoft.com/office/powerpoint/2010/main" val="3394383312"/>
       </p:ext>
     </p:extLst>
   </p:cSld>
@@ -2429,7 +2429,7 @@
           <p:cNvPr id="2" name="Title 1">
             <a:extLst>
               <a:ext uri="{FF2B5EF4-FFF2-40B4-BE49-F238E27FC236}">
-                <a16:creationId xmlns:a16="http://schemas.microsoft.com/office/drawing/2014/main" xmlns="" id="{FE91AD08-4E28-4191-9B62-EAD61608E5CF}"/>
+                <a16:creationId xmlns="" xmlns:a16="http://schemas.microsoft.com/office/drawing/2014/main" id="{FE91AD08-4E28-4191-9B62-EAD61608E5CF}"/>
               </a:ext>
             </a:extLst>
           </p:cNvPr>
@@ -2477,7 +2477,7 @@
           <p:cNvPr id="3" name="Content Placeholder 2">
             <a:extLst>
               <a:ext uri="{FF2B5EF4-FFF2-40B4-BE49-F238E27FC236}">
-                <a16:creationId xmlns:a16="http://schemas.microsoft.com/office/drawing/2014/main" xmlns="" id="{90BF853D-76DB-46F3-AF6C-1E77C8E06AA9}"/>
+                <a16:creationId xmlns="" xmlns:a16="http://schemas.microsoft.com/office/drawing/2014/main" id="{90BF853D-76DB-46F3-AF6C-1E77C8E06AA9}"/>
               </a:ext>
             </a:extLst>
           </p:cNvPr>
@@ -2558,7 +2558,7 @@
           <p:cNvPr id="4" name="Slide Number Placeholder 3">
             <a:extLst>
               <a:ext uri="{FF2B5EF4-FFF2-40B4-BE49-F238E27FC236}">
-                <a16:creationId xmlns:a16="http://schemas.microsoft.com/office/drawing/2014/main" xmlns="" id="{0660D61A-B9FD-4DFF-AC42-4069DAFE238C}"/>
+                <a16:creationId xmlns="" xmlns:a16="http://schemas.microsoft.com/office/drawing/2014/main" id="{0660D61A-B9FD-4DFF-AC42-4069DAFE238C}"/>
               </a:ext>
             </a:extLst>
           </p:cNvPr>
@@ -2590,7 +2590,7 @@
     </p:spTree>
     <p:extLst>
       <p:ext uri="{BB962C8B-B14F-4D97-AF65-F5344CB8AC3E}">
-        <p14:creationId xmlns:p14="http://schemas.microsoft.com/office/powerpoint/2010/main" xmlns="" val="3839236654"/>
+        <p14:creationId xmlns="" xmlns:p14="http://schemas.microsoft.com/office/powerpoint/2010/main" val="3839236654"/>
       </p:ext>
     </p:extLst>
   </p:cSld>
@@ -2633,7 +2633,7 @@
           <p:cNvPr id="2" name="Title 1">
             <a:extLst>
               <a:ext uri="{FF2B5EF4-FFF2-40B4-BE49-F238E27FC236}">
-                <a16:creationId xmlns:a16="http://schemas.microsoft.com/office/drawing/2014/main" xmlns="" id="{FE91AD08-4E28-4191-9B62-EAD61608E5CF}"/>
+                <a16:creationId xmlns="" xmlns:a16="http://schemas.microsoft.com/office/drawing/2014/main" id="{FE91AD08-4E28-4191-9B62-EAD61608E5CF}"/>
               </a:ext>
             </a:extLst>
           </p:cNvPr>
@@ -2683,7 +2683,7 @@
           <p:cNvPr id="3" name="Content Placeholder 2">
             <a:extLst>
               <a:ext uri="{FF2B5EF4-FFF2-40B4-BE49-F238E27FC236}">
-                <a16:creationId xmlns:a16="http://schemas.microsoft.com/office/drawing/2014/main" xmlns="" id="{90BF853D-76DB-46F3-AF6C-1E77C8E06AA9}"/>
+                <a16:creationId xmlns="" xmlns:a16="http://schemas.microsoft.com/office/drawing/2014/main" id="{90BF853D-76DB-46F3-AF6C-1E77C8E06AA9}"/>
               </a:ext>
             </a:extLst>
           </p:cNvPr>
@@ -2764,7 +2764,7 @@
           <p:cNvPr id="4" name="Slide Number Placeholder 3">
             <a:extLst>
               <a:ext uri="{FF2B5EF4-FFF2-40B4-BE49-F238E27FC236}">
-                <a16:creationId xmlns:a16="http://schemas.microsoft.com/office/drawing/2014/main" xmlns="" id="{0660D61A-B9FD-4DFF-AC42-4069DAFE238C}"/>
+                <a16:creationId xmlns="" xmlns:a16="http://schemas.microsoft.com/office/drawing/2014/main" id="{0660D61A-B9FD-4DFF-AC42-4069DAFE238C}"/>
               </a:ext>
             </a:extLst>
           </p:cNvPr>
@@ -2796,7 +2796,7 @@
     </p:spTree>
     <p:extLst>
       <p:ext uri="{BB962C8B-B14F-4D97-AF65-F5344CB8AC3E}">
-        <p14:creationId xmlns:p14="http://schemas.microsoft.com/office/powerpoint/2010/main" xmlns="" val="1594571051"/>
+        <p14:creationId xmlns="" xmlns:p14="http://schemas.microsoft.com/office/powerpoint/2010/main" val="1594571051"/>
       </p:ext>
     </p:extLst>
   </p:cSld>
@@ -2828,7 +2828,7 @@
           <p:cNvPr id="7" name="Picture Placeholder 2">
             <a:extLst>
               <a:ext uri="{FF2B5EF4-FFF2-40B4-BE49-F238E27FC236}">
-                <a16:creationId xmlns:a16="http://schemas.microsoft.com/office/drawing/2014/main" xmlns="" id="{6D3C5ED2-B01D-4104-B193-BC78D76A4646}"/>
+                <a16:creationId xmlns="" xmlns:a16="http://schemas.microsoft.com/office/drawing/2014/main" id="{6D3C5ED2-B01D-4104-B193-BC78D76A4646}"/>
               </a:ext>
             </a:extLst>
           </p:cNvPr>
@@ -2901,7 +2901,7 @@
           <p:cNvPr id="2" name="Title 1">
             <a:extLst>
               <a:ext uri="{FF2B5EF4-FFF2-40B4-BE49-F238E27FC236}">
-                <a16:creationId xmlns:a16="http://schemas.microsoft.com/office/drawing/2014/main" xmlns="" id="{FE91AD08-4E28-4191-9B62-EAD61608E5CF}"/>
+                <a16:creationId xmlns="" xmlns:a16="http://schemas.microsoft.com/office/drawing/2014/main" id="{FE91AD08-4E28-4191-9B62-EAD61608E5CF}"/>
               </a:ext>
             </a:extLst>
           </p:cNvPr>
@@ -2948,7 +2948,7 @@
           <p:cNvPr id="3" name="Content Placeholder 2">
             <a:extLst>
               <a:ext uri="{FF2B5EF4-FFF2-40B4-BE49-F238E27FC236}">
-                <a16:creationId xmlns:a16="http://schemas.microsoft.com/office/drawing/2014/main" xmlns="" id="{90BF853D-76DB-46F3-AF6C-1E77C8E06AA9}"/>
+                <a16:creationId xmlns="" xmlns:a16="http://schemas.microsoft.com/office/drawing/2014/main" id="{90BF853D-76DB-46F3-AF6C-1E77C8E06AA9}"/>
               </a:ext>
             </a:extLst>
           </p:cNvPr>
@@ -3029,7 +3029,7 @@
           <p:cNvPr id="4" name="Slide Number Placeholder 3">
             <a:extLst>
               <a:ext uri="{FF2B5EF4-FFF2-40B4-BE49-F238E27FC236}">
-                <a16:creationId xmlns:a16="http://schemas.microsoft.com/office/drawing/2014/main" xmlns="" id="{0660D61A-B9FD-4DFF-AC42-4069DAFE238C}"/>
+                <a16:creationId xmlns="" xmlns:a16="http://schemas.microsoft.com/office/drawing/2014/main" id="{0660D61A-B9FD-4DFF-AC42-4069DAFE238C}"/>
               </a:ext>
             </a:extLst>
           </p:cNvPr>
@@ -3066,7 +3066,7 @@
     </p:spTree>
     <p:extLst>
       <p:ext uri="{BB962C8B-B14F-4D97-AF65-F5344CB8AC3E}">
-        <p14:creationId xmlns:p14="http://schemas.microsoft.com/office/powerpoint/2010/main" xmlns="" val="1797904098"/>
+        <p14:creationId xmlns="" xmlns:p14="http://schemas.microsoft.com/office/powerpoint/2010/main" val="1797904098"/>
       </p:ext>
     </p:extLst>
   </p:cSld>
@@ -3098,7 +3098,7 @@
           <p:cNvPr id="2" name="Title 1">
             <a:extLst>
               <a:ext uri="{FF2B5EF4-FFF2-40B4-BE49-F238E27FC236}">
-                <a16:creationId xmlns:a16="http://schemas.microsoft.com/office/drawing/2014/main" xmlns="" id="{FE91AD08-4E28-4191-9B62-EAD61608E5CF}"/>
+                <a16:creationId xmlns="" xmlns:a16="http://schemas.microsoft.com/office/drawing/2014/main" id="{FE91AD08-4E28-4191-9B62-EAD61608E5CF}"/>
               </a:ext>
             </a:extLst>
           </p:cNvPr>
@@ -3158,7 +3158,7 @@
           <p:cNvPr id="3" name="Content Placeholder 2">
             <a:extLst>
               <a:ext uri="{FF2B5EF4-FFF2-40B4-BE49-F238E27FC236}">
-                <a16:creationId xmlns:a16="http://schemas.microsoft.com/office/drawing/2014/main" xmlns="" id="{90BF853D-76DB-46F3-AF6C-1E77C8E06AA9}"/>
+                <a16:creationId xmlns="" xmlns:a16="http://schemas.microsoft.com/office/drawing/2014/main" id="{90BF853D-76DB-46F3-AF6C-1E77C8E06AA9}"/>
               </a:ext>
             </a:extLst>
           </p:cNvPr>
@@ -3239,7 +3239,7 @@
           <p:cNvPr id="14" name="Slide Number Placeholder 13">
             <a:extLst>
               <a:ext uri="{FF2B5EF4-FFF2-40B4-BE49-F238E27FC236}">
-                <a16:creationId xmlns:a16="http://schemas.microsoft.com/office/drawing/2014/main" xmlns="" id="{7746CAFB-2B99-470B-B55B-9BF378E3A04B}"/>
+                <a16:creationId xmlns="" xmlns:a16="http://schemas.microsoft.com/office/drawing/2014/main" id="{7746CAFB-2B99-470B-B55B-9BF378E3A04B}"/>
               </a:ext>
             </a:extLst>
           </p:cNvPr>
@@ -3271,7 +3271,7 @@
     </p:spTree>
     <p:extLst>
       <p:ext uri="{BB962C8B-B14F-4D97-AF65-F5344CB8AC3E}">
-        <p14:creationId xmlns:p14="http://schemas.microsoft.com/office/powerpoint/2010/main" xmlns="" val="1160496352"/>
+        <p14:creationId xmlns="" xmlns:p14="http://schemas.microsoft.com/office/powerpoint/2010/main" val="1160496352"/>
       </p:ext>
     </p:extLst>
   </p:cSld>
@@ -3303,7 +3303,7 @@
           <p:cNvPr id="17" name="Title 16">
             <a:extLst>
               <a:ext uri="{FF2B5EF4-FFF2-40B4-BE49-F238E27FC236}">
-                <a16:creationId xmlns:a16="http://schemas.microsoft.com/office/drawing/2014/main" xmlns="" id="{65237DA4-112F-40B2-8C8C-EB23506D9C45}"/>
+                <a16:creationId xmlns="" xmlns:a16="http://schemas.microsoft.com/office/drawing/2014/main" id="{65237DA4-112F-40B2-8C8C-EB23506D9C45}"/>
               </a:ext>
             </a:extLst>
           </p:cNvPr>
@@ -3362,7 +3362,7 @@
           <p:cNvPr id="3" name="Content Placeholder 2">
             <a:extLst>
               <a:ext uri="{FF2B5EF4-FFF2-40B4-BE49-F238E27FC236}">
-                <a16:creationId xmlns:a16="http://schemas.microsoft.com/office/drawing/2014/main" xmlns="" id="{90BF853D-76DB-46F3-AF6C-1E77C8E06AA9}"/>
+                <a16:creationId xmlns="" xmlns:a16="http://schemas.microsoft.com/office/drawing/2014/main" id="{90BF853D-76DB-46F3-AF6C-1E77C8E06AA9}"/>
               </a:ext>
             </a:extLst>
           </p:cNvPr>
@@ -3425,7 +3425,7 @@
           <p:cNvPr id="14" name="Slide Number Placeholder 13">
             <a:extLst>
               <a:ext uri="{FF2B5EF4-FFF2-40B4-BE49-F238E27FC236}">
-                <a16:creationId xmlns:a16="http://schemas.microsoft.com/office/drawing/2014/main" xmlns="" id="{7746CAFB-2B99-470B-B55B-9BF378E3A04B}"/>
+                <a16:creationId xmlns="" xmlns:a16="http://schemas.microsoft.com/office/drawing/2014/main" id="{7746CAFB-2B99-470B-B55B-9BF378E3A04B}"/>
               </a:ext>
             </a:extLst>
           </p:cNvPr>
@@ -3474,7 +3474,7 @@
     </p:spTree>
     <p:extLst>
       <p:ext uri="{BB962C8B-B14F-4D97-AF65-F5344CB8AC3E}">
-        <p14:creationId xmlns:p14="http://schemas.microsoft.com/office/powerpoint/2010/main" xmlns="" val="364498605"/>
+        <p14:creationId xmlns="" xmlns:p14="http://schemas.microsoft.com/office/powerpoint/2010/main" val="364498605"/>
       </p:ext>
     </p:extLst>
   </p:cSld>
@@ -3506,7 +3506,7 @@
           <p:cNvPr id="4" name="Slide Number Placeholder 3">
             <a:extLst>
               <a:ext uri="{FF2B5EF4-FFF2-40B4-BE49-F238E27FC236}">
-                <a16:creationId xmlns:a16="http://schemas.microsoft.com/office/drawing/2014/main" xmlns="" id="{0660D61A-B9FD-4DFF-AC42-4069DAFE238C}"/>
+                <a16:creationId xmlns="" xmlns:a16="http://schemas.microsoft.com/office/drawing/2014/main" id="{0660D61A-B9FD-4DFF-AC42-4069DAFE238C}"/>
               </a:ext>
             </a:extLst>
           </p:cNvPr>
@@ -3540,7 +3540,7 @@
           <p:cNvPr id="5" name="Content Placeholder 2">
             <a:extLst>
               <a:ext uri="{FF2B5EF4-FFF2-40B4-BE49-F238E27FC236}">
-                <a16:creationId xmlns:a16="http://schemas.microsoft.com/office/drawing/2014/main" xmlns="" id="{D68E6EF2-4B2F-4D0D-9505-CE92872972F7}"/>
+                <a16:creationId xmlns="" xmlns:a16="http://schemas.microsoft.com/office/drawing/2014/main" id="{D68E6EF2-4B2F-4D0D-9505-CE92872972F7}"/>
               </a:ext>
             </a:extLst>
           </p:cNvPr>
@@ -3603,7 +3603,7 @@
           <p:cNvPr id="6" name="Title 1">
             <a:extLst>
               <a:ext uri="{FF2B5EF4-FFF2-40B4-BE49-F238E27FC236}">
-                <a16:creationId xmlns:a16="http://schemas.microsoft.com/office/drawing/2014/main" xmlns="" id="{D91A21B9-BA54-413B-940E-027C32E4D429}"/>
+                <a16:creationId xmlns="" xmlns:a16="http://schemas.microsoft.com/office/drawing/2014/main" id="{D91A21B9-BA54-413B-940E-027C32E4D429}"/>
               </a:ext>
             </a:extLst>
           </p:cNvPr>
@@ -3649,7 +3649,7 @@
     </p:spTree>
     <p:extLst>
       <p:ext uri="{BB962C8B-B14F-4D97-AF65-F5344CB8AC3E}">
-        <p14:creationId xmlns:p14="http://schemas.microsoft.com/office/powerpoint/2010/main" xmlns="" val="3610051244"/>
+        <p14:creationId xmlns="" xmlns:p14="http://schemas.microsoft.com/office/powerpoint/2010/main" val="3610051244"/>
       </p:ext>
     </p:extLst>
   </p:cSld>
@@ -3681,7 +3681,7 @@
           <p:cNvPr id="2" name="Title 1">
             <a:extLst>
               <a:ext uri="{FF2B5EF4-FFF2-40B4-BE49-F238E27FC236}">
-                <a16:creationId xmlns:a16="http://schemas.microsoft.com/office/drawing/2014/main" xmlns="" id="{9722BDA7-8BE9-42D5-ACF1-0F51423A206E}"/>
+                <a16:creationId xmlns="" xmlns:a16="http://schemas.microsoft.com/office/drawing/2014/main" id="{9722BDA7-8BE9-42D5-ACF1-0F51423A206E}"/>
               </a:ext>
             </a:extLst>
           </p:cNvPr>
@@ -3719,7 +3719,7 @@
           <p:cNvPr id="3" name="Text Placeholder 2">
             <a:extLst>
               <a:ext uri="{FF2B5EF4-FFF2-40B4-BE49-F238E27FC236}">
-                <a16:creationId xmlns:a16="http://schemas.microsoft.com/office/drawing/2014/main" xmlns="" id="{71CEF73F-3CCA-4312-8E9C-2B4629DA1F66}"/>
+                <a16:creationId xmlns="" xmlns:a16="http://schemas.microsoft.com/office/drawing/2014/main" id="{71CEF73F-3CCA-4312-8E9C-2B4629DA1F66}"/>
               </a:ext>
             </a:extLst>
           </p:cNvPr>
@@ -3844,7 +3844,7 @@
           <p:cNvPr id="4" name="Slide Number Placeholder 3">
             <a:extLst>
               <a:ext uri="{FF2B5EF4-FFF2-40B4-BE49-F238E27FC236}">
-                <a16:creationId xmlns:a16="http://schemas.microsoft.com/office/drawing/2014/main" xmlns="" id="{293BF716-502C-4821-A3A0-19C2C508EED1}"/>
+                <a16:creationId xmlns="" xmlns:a16="http://schemas.microsoft.com/office/drawing/2014/main" id="{293BF716-502C-4821-A3A0-19C2C508EED1}"/>
               </a:ext>
             </a:extLst>
           </p:cNvPr>
@@ -3876,7 +3876,7 @@
     </p:spTree>
     <p:extLst>
       <p:ext uri="{BB962C8B-B14F-4D97-AF65-F5344CB8AC3E}">
-        <p14:creationId xmlns:p14="http://schemas.microsoft.com/office/powerpoint/2010/main" xmlns="" val="2665983131"/>
+        <p14:creationId xmlns="" xmlns:p14="http://schemas.microsoft.com/office/powerpoint/2010/main" val="2665983131"/>
       </p:ext>
     </p:extLst>
   </p:cSld>
@@ -3919,7 +3919,7 @@
           <p:cNvPr id="5" name="Picture 4">
             <a:extLst>
               <a:ext uri="{FF2B5EF4-FFF2-40B4-BE49-F238E27FC236}">
-                <a16:creationId xmlns:a16="http://schemas.microsoft.com/office/drawing/2014/main" xmlns="" id="{448E4AFE-E166-4B84-B0C8-9205038D8033}"/>
+                <a16:creationId xmlns="" xmlns:a16="http://schemas.microsoft.com/office/drawing/2014/main" id="{448E4AFE-E166-4B84-B0C8-9205038D8033}"/>
               </a:ext>
             </a:extLst>
           </p:cNvPr>
@@ -3932,7 +3932,7 @@
           <a:blip r:embed="rId16" cstate="screen">
             <a:extLst>
               <a:ext uri="{28A0092B-C50C-407E-A947-70E740481C1C}">
-                <a14:useLocalDpi xmlns:a14="http://schemas.microsoft.com/office/drawing/2010/main" xmlns=""/>
+                <a14:useLocalDpi xmlns="" xmlns:a14="http://schemas.microsoft.com/office/drawing/2010/main"/>
               </a:ext>
             </a:extLst>
           </a:blip>
@@ -3955,7 +3955,7 @@
           <p:cNvPr id="2" name="Title Placeholder 1">
             <a:extLst>
               <a:ext uri="{FF2B5EF4-FFF2-40B4-BE49-F238E27FC236}">
-                <a16:creationId xmlns:a16="http://schemas.microsoft.com/office/drawing/2014/main" xmlns="" id="{6C617517-B672-49BA-AC6E-AB66D0639A58}"/>
+                <a16:creationId xmlns="" xmlns:a16="http://schemas.microsoft.com/office/drawing/2014/main" id="{6C617517-B672-49BA-AC6E-AB66D0639A58}"/>
               </a:ext>
             </a:extLst>
           </p:cNvPr>
@@ -3994,7 +3994,7 @@
           <p:cNvPr id="3" name="Text Placeholder 2">
             <a:extLst>
               <a:ext uri="{FF2B5EF4-FFF2-40B4-BE49-F238E27FC236}">
-                <a16:creationId xmlns:a16="http://schemas.microsoft.com/office/drawing/2014/main" xmlns="" id="{6EC92C27-7843-4B22-9200-B7304E6AE4CD}"/>
+                <a16:creationId xmlns="" xmlns:a16="http://schemas.microsoft.com/office/drawing/2014/main" id="{6EC92C27-7843-4B22-9200-B7304E6AE4CD}"/>
               </a:ext>
             </a:extLst>
           </p:cNvPr>
@@ -4062,7 +4062,7 @@
           <p:cNvPr id="6" name="Slide Number Placeholder 5">
             <a:extLst>
               <a:ext uri="{FF2B5EF4-FFF2-40B4-BE49-F238E27FC236}">
-                <a16:creationId xmlns:a16="http://schemas.microsoft.com/office/drawing/2014/main" xmlns="" id="{52DB4F10-F75B-41A8-B994-BFF68949E59A}"/>
+                <a16:creationId xmlns="" xmlns:a16="http://schemas.microsoft.com/office/drawing/2014/main" id="{52DB4F10-F75B-41A8-B994-BFF68949E59A}"/>
               </a:ext>
             </a:extLst>
           </p:cNvPr>
@@ -4118,7 +4118,7 @@
           <p:cNvPr id="7" name="Rectangle 6">
             <a:extLst>
               <a:ext uri="{FF2B5EF4-FFF2-40B4-BE49-F238E27FC236}">
-                <a16:creationId xmlns:a16="http://schemas.microsoft.com/office/drawing/2014/main" xmlns="" id="{512D21E2-8DEB-4F43-A26E-B8DA900A9230}"/>
+                <a16:creationId xmlns="" xmlns:a16="http://schemas.microsoft.com/office/drawing/2014/main" id="{512D21E2-8DEB-4F43-A26E-B8DA900A9230}"/>
               </a:ext>
             </a:extLst>
           </p:cNvPr>
@@ -4181,7 +4181,7 @@
           <p:cNvPr id="8" name="Rectangle 7">
             <a:extLst>
               <a:ext uri="{FF2B5EF4-FFF2-40B4-BE49-F238E27FC236}">
-                <a16:creationId xmlns:a16="http://schemas.microsoft.com/office/drawing/2014/main" xmlns="" id="{35CD3143-7FD1-40EA-AA4A-47C72380AEC2}"/>
+                <a16:creationId xmlns="" xmlns:a16="http://schemas.microsoft.com/office/drawing/2014/main" id="{35CD3143-7FD1-40EA-AA4A-47C72380AEC2}"/>
               </a:ext>
             </a:extLst>
           </p:cNvPr>
@@ -4231,7 +4231,7 @@
     </p:spTree>
     <p:extLst>
       <p:ext uri="{BB962C8B-B14F-4D97-AF65-F5344CB8AC3E}">
-        <p14:creationId xmlns:p14="http://schemas.microsoft.com/office/powerpoint/2010/main" xmlns="" val="3853920126"/>
+        <p14:creationId xmlns="" xmlns:p14="http://schemas.microsoft.com/office/powerpoint/2010/main" val="3853920126"/>
       </p:ext>
     </p:extLst>
   </p:cSld>
@@ -4561,7 +4561,7 @@
           <p:cNvPr id="4" name="Title 3">
             <a:extLst>
               <a:ext uri="{FF2B5EF4-FFF2-40B4-BE49-F238E27FC236}">
-                <a16:creationId xmlns:a16="http://schemas.microsoft.com/office/drawing/2014/main" xmlns="" id="{E10C5037-DA4A-44E2-A9FB-84B1498768A7}"/>
+                <a16:creationId xmlns="" xmlns:a16="http://schemas.microsoft.com/office/drawing/2014/main" id="{E10C5037-DA4A-44E2-A9FB-84B1498768A7}"/>
               </a:ext>
             </a:extLst>
           </p:cNvPr>
@@ -4598,7 +4598,7 @@
           <p:cNvPr id="15" name="Slide Number Placeholder 14">
             <a:extLst>
               <a:ext uri="{FF2B5EF4-FFF2-40B4-BE49-F238E27FC236}">
-                <a16:creationId xmlns:a16="http://schemas.microsoft.com/office/drawing/2014/main" xmlns="" id="{26F5C050-EB87-421A-8A5C-E6CB30102699}"/>
+                <a16:creationId xmlns="" xmlns:a16="http://schemas.microsoft.com/office/drawing/2014/main" id="{26F5C050-EB87-421A-8A5C-E6CB30102699}"/>
               </a:ext>
             </a:extLst>
           </p:cNvPr>
@@ -4632,7 +4632,7 @@
           <p:cNvPr id="29" name="Picture Placeholder 28" descr="Young student drawing on a whiteboard">
             <a:extLst>
               <a:ext uri="{FF2B5EF4-FFF2-40B4-BE49-F238E27FC236}">
-                <a16:creationId xmlns:a16="http://schemas.microsoft.com/office/drawing/2014/main" xmlns="" id="{AE2FE2E9-1D1E-404B-A659-DD19B5D66B5B}"/>
+                <a16:creationId xmlns="" xmlns:a16="http://schemas.microsoft.com/office/drawing/2014/main" id="{AE2FE2E9-1D1E-404B-A659-DD19B5D66B5B}"/>
               </a:ext>
             </a:extLst>
           </p:cNvPr>
@@ -4647,7 +4647,7 @@
           <a:blip r:embed="rId2" cstate="screen">
             <a:extLst>
               <a:ext uri="{28A0092B-C50C-407E-A947-70E740481C1C}">
-                <a14:useLocalDpi xmlns:a14="http://schemas.microsoft.com/office/drawing/2010/main" xmlns=""/>
+                <a14:useLocalDpi xmlns="" xmlns:a14="http://schemas.microsoft.com/office/drawing/2010/main"/>
               </a:ext>
             </a:extLst>
           </a:blip>
@@ -4666,7 +4666,7 @@
     </p:spTree>
     <p:extLst>
       <p:ext uri="{BB962C8B-B14F-4D97-AF65-F5344CB8AC3E}">
-        <p14:creationId xmlns:p14="http://schemas.microsoft.com/office/powerpoint/2010/main" xmlns="" val="1136250268"/>
+        <p14:creationId xmlns="" xmlns:p14="http://schemas.microsoft.com/office/powerpoint/2010/main" val="1136250268"/>
       </p:ext>
     </p:extLst>
   </p:cSld>
@@ -4705,7 +4705,7 @@
           <p:cNvPr id="2" name="Title 1">
             <a:extLst>
               <a:ext uri="{FF2B5EF4-FFF2-40B4-BE49-F238E27FC236}">
-                <a16:creationId xmlns:a16="http://schemas.microsoft.com/office/drawing/2014/main" xmlns="" id="{E199600F-A17E-4354-A7AB-0CC2A43A9354}"/>
+                <a16:creationId xmlns="" xmlns:a16="http://schemas.microsoft.com/office/drawing/2014/main" id="{E199600F-A17E-4354-A7AB-0CC2A43A9354}"/>
               </a:ext>
             </a:extLst>
           </p:cNvPr>
@@ -4729,11 +4729,7 @@
             <a:pPr algn="ctr"/>
             <a:r>
               <a:rPr lang="en-US" dirty="0" smtClean="0"/>
-              <a:t>Exam </a:t>
-            </a:r>
-            <a:r>
-              <a:rPr lang="en-US" dirty="0" smtClean="0"/>
-              <a:t>Objectives</a:t>
+              <a:t>Exam Objectives</a:t>
             </a:r>
             <a:endParaRPr lang="en-US" dirty="0"/>
           </a:p>
@@ -4744,7 +4740,7 @@
           <p:cNvPr id="3" name="Content Placeholder 2">
             <a:extLst>
               <a:ext uri="{FF2B5EF4-FFF2-40B4-BE49-F238E27FC236}">
-                <a16:creationId xmlns:a16="http://schemas.microsoft.com/office/drawing/2014/main" xmlns="" id="{FA6A4B49-27C8-46B6-8B11-AD7E8F615E2C}"/>
+                <a16:creationId xmlns="" xmlns:a16="http://schemas.microsoft.com/office/drawing/2014/main" id="{FA6A4B49-27C8-46B6-8B11-AD7E8F615E2C}"/>
               </a:ext>
             </a:extLst>
           </p:cNvPr>
@@ -4755,7 +4751,12 @@
             <p:ph idx="1"/>
           </p:nvPr>
         </p:nvSpPr>
-        <p:spPr/>
+        <p:spPr>
+          <a:xfrm>
+            <a:off x="838200" y="1825625"/>
+            <a:ext cx="5445034" cy="4351338"/>
+          </a:xfrm>
+        </p:spPr>
         <p:txBody>
           <a:bodyPr>
             <a:normAutofit/>
@@ -4811,7 +4812,7 @@
           <p:cNvPr id="4" name="Slide Number Placeholder 3">
             <a:extLst>
               <a:ext uri="{FF2B5EF4-FFF2-40B4-BE49-F238E27FC236}">
-                <a16:creationId xmlns:a16="http://schemas.microsoft.com/office/drawing/2014/main" xmlns="" id="{62B4CE3A-8C88-45AA-A849-57E5A7AC22C1}"/>
+                <a16:creationId xmlns="" xmlns:a16="http://schemas.microsoft.com/office/drawing/2014/main" id="{62B4CE3A-8C88-45AA-A849-57E5A7AC22C1}"/>
               </a:ext>
             </a:extLst>
           </p:cNvPr>
@@ -4850,10 +4851,10 @@
           <p:cNvPr id="11" name="Rectangle 10">
             <a:extLst>
               <a:ext uri="{FF2B5EF4-FFF2-40B4-BE49-F238E27FC236}">
-                <a16:creationId xmlns:a16="http://schemas.microsoft.com/office/drawing/2014/main" xmlns="" id="{5F253864-26FA-4AB1-9F0A-4F57D870EE85}"/>
+                <a16:creationId xmlns="" xmlns:a16="http://schemas.microsoft.com/office/drawing/2014/main" id="{5F253864-26FA-4AB1-9F0A-4F57D870EE85}"/>
               </a:ext>
               <a:ext uri="{C183D7F6-B498-43B3-948B-1728B52AA6E4}">
-                <adec:decorative xmlns="" xmlns:adec="http://schemas.microsoft.com/office/drawing/2017/decorative" val="1"/>
+                <adec:decorative xmlns:adec="http://schemas.microsoft.com/office/drawing/2017/decorative" xmlns="" val="1"/>
               </a:ext>
             </a:extLst>
           </p:cNvPr>
@@ -4905,28 +4906,22 @@
       </p:sp>
       <p:pic>
         <p:nvPicPr>
-          <p:cNvPr id="6" name="Picture 5"/>
+          <p:cNvPr id="7" name="Picture 6" descr="lesson-planning-1-638.png"/>
           <p:cNvPicPr>
             <a:picLocks noChangeAspect="1"/>
           </p:cNvPicPr>
           <p:nvPr/>
         </p:nvPicPr>
         <p:blipFill>
-          <a:blip r:embed="rId2" cstate="print">
-            <a:extLst>
-              <a:ext uri="{28A0092B-C50C-407E-A947-70E740481C1C}">
-                <a14:useLocalDpi xmlns:a14="http://schemas.microsoft.com/office/drawing/2010/main" xmlns="" val="0"/>
-              </a:ext>
-            </a:extLst>
-          </a:blip>
+          <a:blip r:embed="rId2"/>
           <a:stretch>
             <a:fillRect/>
           </a:stretch>
         </p:blipFill>
         <p:spPr>
           <a:xfrm>
-            <a:off x="7777018" y="1670939"/>
-            <a:ext cx="3576781" cy="4464339"/>
+            <a:off x="6387737" y="1709467"/>
+            <a:ext cx="4954360" cy="4562475"/>
           </a:xfrm>
           <a:prstGeom prst="rect">
             <a:avLst/>
@@ -4936,7 +4931,7 @@
     </p:spTree>
     <p:extLst>
       <p:ext uri="{BB962C8B-B14F-4D97-AF65-F5344CB8AC3E}">
-        <p14:creationId xmlns:p14="http://schemas.microsoft.com/office/powerpoint/2010/main" xmlns="" val="1281103274"/>
+        <p14:creationId xmlns="" xmlns:p14="http://schemas.microsoft.com/office/powerpoint/2010/main" val="1281103274"/>
       </p:ext>
     </p:extLst>
   </p:cSld>
@@ -4975,7 +4970,7 @@
           <p:cNvPr id="2" name="Title 1">
             <a:extLst>
               <a:ext uri="{FF2B5EF4-FFF2-40B4-BE49-F238E27FC236}">
-                <a16:creationId xmlns:a16="http://schemas.microsoft.com/office/drawing/2014/main" xmlns="" id="{E199600F-A17E-4354-A7AB-0CC2A43A9354}"/>
+                <a16:creationId xmlns="" xmlns:a16="http://schemas.microsoft.com/office/drawing/2014/main" id="{E199600F-A17E-4354-A7AB-0CC2A43A9354}"/>
               </a:ext>
             </a:extLst>
           </p:cNvPr>
@@ -5009,7 +5004,7 @@
           <p:cNvPr id="3" name="Content Placeholder 2">
             <a:extLst>
               <a:ext uri="{FF2B5EF4-FFF2-40B4-BE49-F238E27FC236}">
-                <a16:creationId xmlns:a16="http://schemas.microsoft.com/office/drawing/2014/main" xmlns="" id="{FA6A4B49-27C8-46B6-8B11-AD7E8F615E2C}"/>
+                <a16:creationId xmlns="" xmlns:a16="http://schemas.microsoft.com/office/drawing/2014/main" id="{FA6A4B49-27C8-46B6-8B11-AD7E8F615E2C}"/>
               </a:ext>
             </a:extLst>
           </p:cNvPr>
@@ -5075,7 +5070,7 @@
           <p:cNvPr id="4" name="Slide Number Placeholder 3">
             <a:extLst>
               <a:ext uri="{FF2B5EF4-FFF2-40B4-BE49-F238E27FC236}">
-                <a16:creationId xmlns:a16="http://schemas.microsoft.com/office/drawing/2014/main" xmlns="" id="{62B4CE3A-8C88-45AA-A849-57E5A7AC22C1}"/>
+                <a16:creationId xmlns="" xmlns:a16="http://schemas.microsoft.com/office/drawing/2014/main" id="{62B4CE3A-8C88-45AA-A849-57E5A7AC22C1}"/>
               </a:ext>
             </a:extLst>
           </p:cNvPr>
@@ -5114,10 +5109,10 @@
           <p:cNvPr id="11" name="Rectangle 10">
             <a:extLst>
               <a:ext uri="{FF2B5EF4-FFF2-40B4-BE49-F238E27FC236}">
-                <a16:creationId xmlns:a16="http://schemas.microsoft.com/office/drawing/2014/main" xmlns="" id="{5F253864-26FA-4AB1-9F0A-4F57D870EE85}"/>
+                <a16:creationId xmlns="" xmlns:a16="http://schemas.microsoft.com/office/drawing/2014/main" id="{5F253864-26FA-4AB1-9F0A-4F57D870EE85}"/>
               </a:ext>
               <a:ext uri="{C183D7F6-B498-43B3-948B-1728B52AA6E4}">
-                <adec:decorative xmlns="" xmlns:adec="http://schemas.microsoft.com/office/drawing/2017/decorative" val="1"/>
+                <adec:decorative xmlns:adec="http://schemas.microsoft.com/office/drawing/2017/decorative" xmlns="" val="1"/>
               </a:ext>
             </a:extLst>
           </p:cNvPr>
@@ -5179,7 +5174,7 @@
           <a:blip r:embed="rId2">
             <a:extLst>
               <a:ext uri="{28A0092B-C50C-407E-A947-70E740481C1C}">
-                <a14:useLocalDpi xmlns:a14="http://schemas.microsoft.com/office/drawing/2010/main" xmlns="" val="0"/>
+                <a14:useLocalDpi xmlns="" xmlns:a14="http://schemas.microsoft.com/office/drawing/2010/main" val="0"/>
               </a:ext>
             </a:extLst>
           </a:blip>
@@ -5199,7 +5194,7 @@
           <a:noFill/>
           <a:extLst>
             <a:ext uri="{909E8E84-426E-40DD-AFC4-6F175D3DCCD1}">
-              <a14:hiddenFill xmlns:a14="http://schemas.microsoft.com/office/drawing/2010/main" xmlns="">
+              <a14:hiddenFill xmlns="" xmlns:a14="http://schemas.microsoft.com/office/drawing/2010/main">
                 <a:solidFill>
                   <a:srgbClr val="FFFFFF"/>
                 </a:solidFill>
@@ -5211,7 +5206,7 @@
     </p:spTree>
     <p:extLst>
       <p:ext uri="{BB962C8B-B14F-4D97-AF65-F5344CB8AC3E}">
-        <p14:creationId xmlns:p14="http://schemas.microsoft.com/office/powerpoint/2010/main" xmlns="" val="3666108874"/>
+        <p14:creationId xmlns="" xmlns:p14="http://schemas.microsoft.com/office/powerpoint/2010/main" val="3666108874"/>
       </p:ext>
     </p:extLst>
   </p:cSld>
@@ -5250,7 +5245,7 @@
           <p:cNvPr id="2" name="Title 1">
             <a:extLst>
               <a:ext uri="{FF2B5EF4-FFF2-40B4-BE49-F238E27FC236}">
-                <a16:creationId xmlns:a16="http://schemas.microsoft.com/office/drawing/2014/main" xmlns="" id="{E199600F-A17E-4354-A7AB-0CC2A43A9354}"/>
+                <a16:creationId xmlns="" xmlns:a16="http://schemas.microsoft.com/office/drawing/2014/main" id="{E199600F-A17E-4354-A7AB-0CC2A43A9354}"/>
               </a:ext>
             </a:extLst>
           </p:cNvPr>
@@ -5285,7 +5280,7 @@
           <p:cNvPr id="3" name="Content Placeholder 2">
             <a:extLst>
               <a:ext uri="{FF2B5EF4-FFF2-40B4-BE49-F238E27FC236}">
-                <a16:creationId xmlns:a16="http://schemas.microsoft.com/office/drawing/2014/main" xmlns="" id="{FA6A4B49-27C8-46B6-8B11-AD7E8F615E2C}"/>
+                <a16:creationId xmlns="" xmlns:a16="http://schemas.microsoft.com/office/drawing/2014/main" id="{FA6A4B49-27C8-46B6-8B11-AD7E8F615E2C}"/>
               </a:ext>
             </a:extLst>
           </p:cNvPr>
@@ -5377,7 +5372,7 @@
           <p:cNvPr id="4" name="Slide Number Placeholder 3">
             <a:extLst>
               <a:ext uri="{FF2B5EF4-FFF2-40B4-BE49-F238E27FC236}">
-                <a16:creationId xmlns:a16="http://schemas.microsoft.com/office/drawing/2014/main" xmlns="" id="{62B4CE3A-8C88-45AA-A849-57E5A7AC22C1}"/>
+                <a16:creationId xmlns="" xmlns:a16="http://schemas.microsoft.com/office/drawing/2014/main" id="{62B4CE3A-8C88-45AA-A849-57E5A7AC22C1}"/>
               </a:ext>
             </a:extLst>
           </p:cNvPr>
@@ -5416,10 +5411,10 @@
           <p:cNvPr id="11" name="Rectangle 10">
             <a:extLst>
               <a:ext uri="{FF2B5EF4-FFF2-40B4-BE49-F238E27FC236}">
-                <a16:creationId xmlns:a16="http://schemas.microsoft.com/office/drawing/2014/main" xmlns="" id="{5F253864-26FA-4AB1-9F0A-4F57D870EE85}"/>
+                <a16:creationId xmlns="" xmlns:a16="http://schemas.microsoft.com/office/drawing/2014/main" id="{5F253864-26FA-4AB1-9F0A-4F57D870EE85}"/>
               </a:ext>
               <a:ext uri="{C183D7F6-B498-43B3-948B-1728B52AA6E4}">
-                <adec:decorative xmlns="" xmlns:adec="http://schemas.microsoft.com/office/drawing/2017/decorative" val="1"/>
+                <adec:decorative xmlns:adec="http://schemas.microsoft.com/office/drawing/2017/decorative" xmlns="" val="1"/>
               </a:ext>
             </a:extLst>
           </p:cNvPr>
@@ -5481,7 +5476,7 @@
           <a:blip r:embed="rId2">
             <a:extLst>
               <a:ext uri="{28A0092B-C50C-407E-A947-70E740481C1C}">
-                <a14:useLocalDpi xmlns:a14="http://schemas.microsoft.com/office/drawing/2010/main" xmlns="" val="0"/>
+                <a14:useLocalDpi xmlns="" xmlns:a14="http://schemas.microsoft.com/office/drawing/2010/main" val="0"/>
               </a:ext>
             </a:extLst>
           </a:blip>
@@ -5501,7 +5496,7 @@
           <a:noFill/>
           <a:extLst>
             <a:ext uri="{909E8E84-426E-40DD-AFC4-6F175D3DCCD1}">
-              <a14:hiddenFill xmlns:a14="http://schemas.microsoft.com/office/drawing/2010/main" xmlns="">
+              <a14:hiddenFill xmlns="" xmlns:a14="http://schemas.microsoft.com/office/drawing/2010/main">
                 <a:solidFill>
                   <a:srgbClr val="FFFFFF"/>
                 </a:solidFill>
@@ -5513,7 +5508,7 @@
     </p:spTree>
     <p:extLst>
       <p:ext uri="{BB962C8B-B14F-4D97-AF65-F5344CB8AC3E}">
-        <p14:creationId xmlns:p14="http://schemas.microsoft.com/office/powerpoint/2010/main" xmlns="" val="2745771103"/>
+        <p14:creationId xmlns="" xmlns:p14="http://schemas.microsoft.com/office/powerpoint/2010/main" val="2745771103"/>
       </p:ext>
     </p:extLst>
   </p:cSld>
@@ -5552,7 +5547,7 @@
           <p:cNvPr id="2" name="Title 1">
             <a:extLst>
               <a:ext uri="{FF2B5EF4-FFF2-40B4-BE49-F238E27FC236}">
-                <a16:creationId xmlns:a16="http://schemas.microsoft.com/office/drawing/2014/main" xmlns="" id="{E199600F-A17E-4354-A7AB-0CC2A43A9354}"/>
+                <a16:creationId xmlns="" xmlns:a16="http://schemas.microsoft.com/office/drawing/2014/main" id="{E199600F-A17E-4354-A7AB-0CC2A43A9354}"/>
               </a:ext>
             </a:extLst>
           </p:cNvPr>
@@ -5587,7 +5582,7 @@
           <p:cNvPr id="3" name="Content Placeholder 2">
             <a:extLst>
               <a:ext uri="{FF2B5EF4-FFF2-40B4-BE49-F238E27FC236}">
-                <a16:creationId xmlns:a16="http://schemas.microsoft.com/office/drawing/2014/main" xmlns="" id="{FA6A4B49-27C8-46B6-8B11-AD7E8F615E2C}"/>
+                <a16:creationId xmlns="" xmlns:a16="http://schemas.microsoft.com/office/drawing/2014/main" id="{FA6A4B49-27C8-46B6-8B11-AD7E8F615E2C}"/>
               </a:ext>
             </a:extLst>
           </p:cNvPr>
@@ -5661,7 +5656,7 @@
           <p:cNvPr id="4" name="Slide Number Placeholder 3">
             <a:extLst>
               <a:ext uri="{FF2B5EF4-FFF2-40B4-BE49-F238E27FC236}">
-                <a16:creationId xmlns:a16="http://schemas.microsoft.com/office/drawing/2014/main" xmlns="" id="{62B4CE3A-8C88-45AA-A849-57E5A7AC22C1}"/>
+                <a16:creationId xmlns="" xmlns:a16="http://schemas.microsoft.com/office/drawing/2014/main" id="{62B4CE3A-8C88-45AA-A849-57E5A7AC22C1}"/>
               </a:ext>
             </a:extLst>
           </p:cNvPr>
@@ -5700,10 +5695,10 @@
           <p:cNvPr id="11" name="Rectangle 10">
             <a:extLst>
               <a:ext uri="{FF2B5EF4-FFF2-40B4-BE49-F238E27FC236}">
-                <a16:creationId xmlns:a16="http://schemas.microsoft.com/office/drawing/2014/main" xmlns="" id="{5F253864-26FA-4AB1-9F0A-4F57D870EE85}"/>
+                <a16:creationId xmlns="" xmlns:a16="http://schemas.microsoft.com/office/drawing/2014/main" id="{5F253864-26FA-4AB1-9F0A-4F57D870EE85}"/>
               </a:ext>
               <a:ext uri="{C183D7F6-B498-43B3-948B-1728B52AA6E4}">
-                <adec:decorative xmlns="" xmlns:adec="http://schemas.microsoft.com/office/drawing/2017/decorative" val="1"/>
+                <adec:decorative xmlns:adec="http://schemas.microsoft.com/office/drawing/2017/decorative" xmlns="" val="1"/>
               </a:ext>
             </a:extLst>
           </p:cNvPr>
@@ -5765,7 +5760,7 @@
           <a:blip r:embed="rId2">
             <a:extLst>
               <a:ext uri="{28A0092B-C50C-407E-A947-70E740481C1C}">
-                <a14:useLocalDpi xmlns:a14="http://schemas.microsoft.com/office/drawing/2010/main" xmlns="" val="0"/>
+                <a14:useLocalDpi xmlns="" xmlns:a14="http://schemas.microsoft.com/office/drawing/2010/main" val="0"/>
               </a:ext>
             </a:extLst>
           </a:blip>
@@ -5785,7 +5780,7 @@
           <a:noFill/>
           <a:extLst>
             <a:ext uri="{909E8E84-426E-40DD-AFC4-6F175D3DCCD1}">
-              <a14:hiddenFill xmlns:a14="http://schemas.microsoft.com/office/drawing/2010/main" xmlns="">
+              <a14:hiddenFill xmlns="" xmlns:a14="http://schemas.microsoft.com/office/drawing/2010/main">
                 <a:solidFill>
                   <a:srgbClr val="FFFFFF"/>
                 </a:solidFill>
@@ -5806,7 +5801,7 @@
           <a:blip r:embed="rId3">
             <a:extLst>
               <a:ext uri="{28A0092B-C50C-407E-A947-70E740481C1C}">
-                <a14:useLocalDpi xmlns:a14="http://schemas.microsoft.com/office/drawing/2010/main" xmlns="" val="0"/>
+                <a14:useLocalDpi xmlns="" xmlns:a14="http://schemas.microsoft.com/office/drawing/2010/main" val="0"/>
               </a:ext>
             </a:extLst>
           </a:blip>
@@ -5826,7 +5821,7 @@
           <a:noFill/>
           <a:extLst>
             <a:ext uri="{909E8E84-426E-40DD-AFC4-6F175D3DCCD1}">
-              <a14:hiddenFill xmlns:a14="http://schemas.microsoft.com/office/drawing/2010/main" xmlns="">
+              <a14:hiddenFill xmlns="" xmlns:a14="http://schemas.microsoft.com/office/drawing/2010/main">
                 <a:solidFill>
                   <a:srgbClr val="FFFFFF"/>
                 </a:solidFill>
@@ -5838,7 +5833,7 @@
     </p:spTree>
     <p:extLst>
       <p:ext uri="{BB962C8B-B14F-4D97-AF65-F5344CB8AC3E}">
-        <p14:creationId xmlns:p14="http://schemas.microsoft.com/office/powerpoint/2010/main" xmlns="" val="1886034423"/>
+        <p14:creationId xmlns="" xmlns:p14="http://schemas.microsoft.com/office/powerpoint/2010/main" val="1886034423"/>
       </p:ext>
     </p:extLst>
   </p:cSld>
@@ -5877,7 +5872,7 @@
           <p:cNvPr id="2" name="Title 1">
             <a:extLst>
               <a:ext uri="{FF2B5EF4-FFF2-40B4-BE49-F238E27FC236}">
-                <a16:creationId xmlns:a16="http://schemas.microsoft.com/office/drawing/2014/main" xmlns="" id="{E199600F-A17E-4354-A7AB-0CC2A43A9354}"/>
+                <a16:creationId xmlns="" xmlns:a16="http://schemas.microsoft.com/office/drawing/2014/main" id="{E199600F-A17E-4354-A7AB-0CC2A43A9354}"/>
               </a:ext>
             </a:extLst>
           </p:cNvPr>
@@ -5934,7 +5929,11 @@
               <a:t>Each array object has a property named </a:t>
             </a:r>
             <a:r>
-              <a:rPr lang="en-US" sz="2400" b="1" i="1" u="sng" dirty="0" smtClean="0"/>
+              <a:rPr lang="en-US" sz="2400" b="1" i="1" dirty="0" smtClean="0">
+                <a:solidFill>
+                  <a:srgbClr val="FFFF00"/>
+                </a:solidFill>
+              </a:rPr>
               <a:t>length</a:t>
             </a:r>
             <a:r>
@@ -5948,25 +5947,29 @@
               <a:t>Whenever we try to access an index in an array which is outside the current range of indices , JVM throws an </a:t>
             </a:r>
             <a:r>
+              <a:rPr lang="en-US" sz="2400" i="1" dirty="0" err="1" smtClean="0">
+                <a:solidFill>
+                  <a:srgbClr val="FFFF00"/>
+                </a:solidFill>
+              </a:rPr>
+              <a:t>ArrayIndexOutOfBoundException</a:t>
+            </a:r>
+            <a:r>
+              <a:rPr lang="en-US" sz="2400" dirty="0" smtClean="0"/>
+              <a:t>.</a:t>
+            </a:r>
+          </a:p>
+          <a:p>
+            <a:r>
+              <a:rPr lang="en-US" sz="2400" dirty="0" smtClean="0"/>
+              <a:t>An array of length 0 can be also created. It shall have no containing values. On trying to access any index of such an array, </a:t>
+            </a:r>
+            <a:r>
               <a:rPr lang="en-US" sz="2400" dirty="0" err="1" smtClean="0"/>
               <a:t>ArrayIndexOutOfBoundException</a:t>
             </a:r>
             <a:r>
               <a:rPr lang="en-US" sz="2400" dirty="0" smtClean="0"/>
-              <a:t>.</a:t>
-            </a:r>
-          </a:p>
-          <a:p>
-            <a:r>
-              <a:rPr lang="en-US" sz="2400" dirty="0" smtClean="0"/>
-              <a:t>An array of length 0 can be also created. It shall have no containing values. On trying to access any index of such an array, </a:t>
-            </a:r>
-            <a:r>
-              <a:rPr lang="en-US" sz="2400" dirty="0" err="1" smtClean="0"/>
-              <a:t>ArrayIndexOutOfBoundException</a:t>
-            </a:r>
-            <a:r>
-              <a:rPr lang="en-US" sz="2400" dirty="0" smtClean="0"/>
               <a:t> is thrown.</a:t>
             </a:r>
           </a:p>
@@ -5992,7 +5995,7 @@
           <p:cNvPr id="4" name="Slide Number Placeholder 3">
             <a:extLst>
               <a:ext uri="{FF2B5EF4-FFF2-40B4-BE49-F238E27FC236}">
-                <a16:creationId xmlns:a16="http://schemas.microsoft.com/office/drawing/2014/main" xmlns="" id="{62B4CE3A-8C88-45AA-A849-57E5A7AC22C1}"/>
+                <a16:creationId xmlns="" xmlns:a16="http://schemas.microsoft.com/office/drawing/2014/main" id="{62B4CE3A-8C88-45AA-A849-57E5A7AC22C1}"/>
               </a:ext>
             </a:extLst>
           </p:cNvPr>
@@ -6026,10 +6029,10 @@
           <p:cNvPr id="11" name="Rectangle 10">
             <a:extLst>
               <a:ext uri="{FF2B5EF4-FFF2-40B4-BE49-F238E27FC236}">
-                <a16:creationId xmlns:a16="http://schemas.microsoft.com/office/drawing/2014/main" xmlns="" id="{5F253864-26FA-4AB1-9F0A-4F57D870EE85}"/>
+                <a16:creationId xmlns="" xmlns:a16="http://schemas.microsoft.com/office/drawing/2014/main" id="{5F253864-26FA-4AB1-9F0A-4F57D870EE85}"/>
               </a:ext>
               <a:ext uri="{C183D7F6-B498-43B3-948B-1728B52AA6E4}">
-                <adec:decorative xmlns="" xmlns:adec="http://schemas.microsoft.com/office/drawing/2017/decorative" val="1"/>
+                <adec:decorative xmlns:adec="http://schemas.microsoft.com/office/drawing/2017/decorative" xmlns="" val="1"/>
               </a:ext>
             </a:extLst>
           </p:cNvPr>
@@ -6082,7 +6085,7 @@
     </p:spTree>
     <p:extLst>
       <p:ext uri="{BB962C8B-B14F-4D97-AF65-F5344CB8AC3E}">
-        <p14:creationId xmlns:p14="http://schemas.microsoft.com/office/powerpoint/2010/main" xmlns="" val="1287735390"/>
+        <p14:creationId xmlns="" xmlns:p14="http://schemas.microsoft.com/office/powerpoint/2010/main" val="1287735390"/>
       </p:ext>
     </p:extLst>
   </p:cSld>
@@ -6121,7 +6124,7 @@
           <p:cNvPr id="2" name="Title 1">
             <a:extLst>
               <a:ext uri="{FF2B5EF4-FFF2-40B4-BE49-F238E27FC236}">
-                <a16:creationId xmlns:a16="http://schemas.microsoft.com/office/drawing/2014/main" xmlns="" id="{E199600F-A17E-4354-A7AB-0CC2A43A9354}"/>
+                <a16:creationId xmlns="" xmlns:a16="http://schemas.microsoft.com/office/drawing/2014/main" id="{E199600F-A17E-4354-A7AB-0CC2A43A9354}"/>
               </a:ext>
             </a:extLst>
           </p:cNvPr>
@@ -6197,7 +6200,7 @@
           <p:cNvPr id="4" name="Slide Number Placeholder 3">
             <a:extLst>
               <a:ext uri="{FF2B5EF4-FFF2-40B4-BE49-F238E27FC236}">
-                <a16:creationId xmlns:a16="http://schemas.microsoft.com/office/drawing/2014/main" xmlns="" id="{62B4CE3A-8C88-45AA-A849-57E5A7AC22C1}"/>
+                <a16:creationId xmlns="" xmlns:a16="http://schemas.microsoft.com/office/drawing/2014/main" id="{62B4CE3A-8C88-45AA-A849-57E5A7AC22C1}"/>
               </a:ext>
             </a:extLst>
           </p:cNvPr>
@@ -6231,10 +6234,10 @@
           <p:cNvPr id="11" name="Rectangle 10">
             <a:extLst>
               <a:ext uri="{FF2B5EF4-FFF2-40B4-BE49-F238E27FC236}">
-                <a16:creationId xmlns:a16="http://schemas.microsoft.com/office/drawing/2014/main" xmlns="" id="{5F253864-26FA-4AB1-9F0A-4F57D870EE85}"/>
+                <a16:creationId xmlns="" xmlns:a16="http://schemas.microsoft.com/office/drawing/2014/main" id="{5F253864-26FA-4AB1-9F0A-4F57D870EE85}"/>
               </a:ext>
               <a:ext uri="{C183D7F6-B498-43B3-948B-1728B52AA6E4}">
-                <adec:decorative xmlns="" xmlns:adec="http://schemas.microsoft.com/office/drawing/2017/decorative" val="1"/>
+                <adec:decorative xmlns:adec="http://schemas.microsoft.com/office/drawing/2017/decorative" xmlns="" val="1"/>
               </a:ext>
             </a:extLst>
           </p:cNvPr>
@@ -6287,7 +6290,7 @@
     </p:spTree>
     <p:extLst>
       <p:ext uri="{BB962C8B-B14F-4D97-AF65-F5344CB8AC3E}">
-        <p14:creationId xmlns:p14="http://schemas.microsoft.com/office/powerpoint/2010/main" xmlns="" val="1023982374"/>
+        <p14:creationId xmlns="" xmlns:p14="http://schemas.microsoft.com/office/powerpoint/2010/main" val="1023982374"/>
       </p:ext>
     </p:extLst>
   </p:cSld>
@@ -6326,7 +6329,7 @@
           <p:cNvPr id="2" name="Title 1">
             <a:extLst>
               <a:ext uri="{FF2B5EF4-FFF2-40B4-BE49-F238E27FC236}">
-                <a16:creationId xmlns:a16="http://schemas.microsoft.com/office/drawing/2014/main" xmlns="" id="{C8F58AE6-56F6-44E8-8BBF-23277B1773E4}"/>
+                <a16:creationId xmlns="" xmlns:a16="http://schemas.microsoft.com/office/drawing/2014/main" id="{C8F58AE6-56F6-44E8-8BBF-23277B1773E4}"/>
               </a:ext>
             </a:extLst>
           </p:cNvPr>
@@ -6365,7 +6368,7 @@
           <a:blip r:embed="rId2">
             <a:extLst>
               <a:ext uri="{28A0092B-C50C-407E-A947-70E740481C1C}">
-                <a14:useLocalDpi xmlns:a14="http://schemas.microsoft.com/office/drawing/2010/main" xmlns="" val="0"/>
+                <a14:useLocalDpi xmlns="" xmlns:a14="http://schemas.microsoft.com/office/drawing/2010/main" val="0"/>
               </a:ext>
             </a:extLst>
           </a:blip>
@@ -6385,7 +6388,7 @@
           <p:cNvPr id="20" name="Slide Number Placeholder 19">
             <a:extLst>
               <a:ext uri="{FF2B5EF4-FFF2-40B4-BE49-F238E27FC236}">
-                <a16:creationId xmlns:a16="http://schemas.microsoft.com/office/drawing/2014/main" xmlns="" id="{3AEC0301-E9AA-4478-9E23-C372DBDCE653}"/>
+                <a16:creationId xmlns="" xmlns:a16="http://schemas.microsoft.com/office/drawing/2014/main" id="{3AEC0301-E9AA-4478-9E23-C372DBDCE653}"/>
               </a:ext>
             </a:extLst>
           </p:cNvPr>
@@ -6424,10 +6427,10 @@
           <p:cNvPr id="10" name="Isosceles Triangle 9">
             <a:extLst>
               <a:ext uri="{FF2B5EF4-FFF2-40B4-BE49-F238E27FC236}">
-                <a16:creationId xmlns:a16="http://schemas.microsoft.com/office/drawing/2014/main" xmlns="" id="{792980D7-ED01-4955-83DB-59BA18C94FBA}"/>
+                <a16:creationId xmlns="" xmlns:a16="http://schemas.microsoft.com/office/drawing/2014/main" id="{792980D7-ED01-4955-83DB-59BA18C94FBA}"/>
               </a:ext>
               <a:ext uri="{C183D7F6-B498-43B3-948B-1728B52AA6E4}">
-                <adec:decorative xmlns="" xmlns:adec="http://schemas.microsoft.com/office/drawing/2017/decorative" val="1"/>
+                <adec:decorative xmlns:adec="http://schemas.microsoft.com/office/drawing/2017/decorative" xmlns="" val="1"/>
               </a:ext>
             </a:extLst>
           </p:cNvPr>
@@ -6505,7 +6508,7 @@
     </p:spTree>
     <p:extLst>
       <p:ext uri="{BB962C8B-B14F-4D97-AF65-F5344CB8AC3E}">
-        <p14:creationId xmlns:p14="http://schemas.microsoft.com/office/powerpoint/2010/main" xmlns="" val="1704949556"/>
+        <p14:creationId xmlns="" xmlns:p14="http://schemas.microsoft.com/office/powerpoint/2010/main" val="1704949556"/>
       </p:ext>
     </p:extLst>
   </p:cSld>
@@ -6717,7 +6720,7 @@
   <a:extraClrSchemeLst/>
   <a:extLst>
     <a:ext uri="{05A4C25C-085E-4340-85A3-A5531E510DB2}">
-      <thm15:themeFamily xmlns:thm15="http://schemas.microsoft.com/office/thememl/2012/main" xmlns="" name="Classic-Corporate_Teach a Course_Win32_SB - v2" id="{AAA48AC2-5F99-4B13-8624-B64D50F70391}" vid="{7E93EDBA-CDC2-40D2-AD59-7619D791F782}"/>
+      <thm15:themeFamily xmlns="" xmlns:thm15="http://schemas.microsoft.com/office/thememl/2012/main" name="Classic-Corporate_Teach a Course_Win32_SB - v2" id="{AAA48AC2-5F99-4B13-8624-B64D50F70391}" vid="{7E93EDBA-CDC2-40D2-AD59-7619D791F782}"/>
     </a:ext>
   </a:extLst>
 </a:theme>
@@ -7012,7 +7015,7 @@
   <a:extraClrSchemeLst/>
   <a:extLst>
     <a:ext uri="{05A4C25C-085E-4340-85A3-A5531E510DB2}">
-      <thm15:themeFamily xmlns:thm15="http://schemas.microsoft.com/office/thememl/2012/main" xmlns="" name="Office Theme" id="{62F939B6-93AF-4DB8-9C6B-D6C7DFDC589F}" vid="{4A3C46E8-61CC-4603-A589-7422A47A8E4A}"/>
+      <thm15:themeFamily xmlns="" xmlns:thm15="http://schemas.microsoft.com/office/thememl/2012/main" name="Office Theme" id="{62F939B6-93AF-4DB8-9C6B-D6C7DFDC589F}" vid="{4A3C46E8-61CC-4603-A589-7422A47A8E4A}"/>
     </a:ext>
   </a:extLst>
 </a:theme>
@@ -7307,7 +7310,7 @@
   <a:extraClrSchemeLst/>
   <a:extLst>
     <a:ext uri="{05A4C25C-085E-4340-85A3-A5531E510DB2}">
-      <thm15:themeFamily xmlns:thm15="http://schemas.microsoft.com/office/thememl/2012/main" xmlns="" name="Office Theme" id="{62F939B6-93AF-4DB8-9C6B-D6C7DFDC589F}" vid="{4A3C46E8-61CC-4603-A589-7422A47A8E4A}"/>
+      <thm15:themeFamily xmlns="" xmlns:thm15="http://schemas.microsoft.com/office/thememl/2012/main" name="Office Theme" id="{62F939B6-93AF-4DB8-9C6B-D6C7DFDC589F}" vid="{4A3C46E8-61CC-4603-A589-7422A47A8E4A}"/>
     </a:ext>
   </a:extLst>
 </a:theme>
@@ -7400,12 +7403,12 @@
 </file>
 
 <file path=customXml/item1.xml><?xml version="1.0" encoding="utf-8"?>
-<?mso-contentType ?>
-<FormTemplates xmlns="http://schemas.microsoft.com/sharepoint/v3/contenttype/forms">
-  <Display>DocumentLibraryForm</Display>
-  <Edit>DocumentLibraryForm</Edit>
-  <New>DocumentLibraryForm</New>
-</FormTemplates>
+<p:properties xmlns:p="http://schemas.microsoft.com/office/2006/metadata/properties" xmlns:xsi="http://www.w3.org/2001/XMLSchema-instance" xmlns:pc="http://schemas.microsoft.com/office/infopath/2007/PartnerControls">
+  <documentManagement>
+    <Status xmlns="71af3243-3dd4-4a8d-8c0d-dd76da1f02a5">Not started</Status>
+    <MediaServiceKeyPoints xmlns="71af3243-3dd4-4a8d-8c0d-dd76da1f02a5" xsi:nil="true"/>
+  </documentManagement>
+</p:properties>
 </file>
 
 <file path=customXml/item2.xml><?xml version="1.0" encoding="utf-8"?>
@@ -7630,18 +7633,20 @@
 </file>
 
 <file path=customXml/item3.xml><?xml version="1.0" encoding="utf-8"?>
-<p:properties xmlns:p="http://schemas.microsoft.com/office/2006/metadata/properties" xmlns:xsi="http://www.w3.org/2001/XMLSchema-instance" xmlns:pc="http://schemas.microsoft.com/office/infopath/2007/PartnerControls">
-  <documentManagement>
-    <Status xmlns="71af3243-3dd4-4a8d-8c0d-dd76da1f02a5">Not started</Status>
-    <MediaServiceKeyPoints xmlns="71af3243-3dd4-4a8d-8c0d-dd76da1f02a5" xsi:nil="true"/>
-  </documentManagement>
-</p:properties>
+<?mso-contentType ?>
+<FormTemplates xmlns="http://schemas.microsoft.com/sharepoint/v3/contenttype/forms">
+  <Display>DocumentLibraryForm</Display>
+  <Edit>DocumentLibraryForm</Edit>
+  <New>DocumentLibraryForm</New>
+</FormTemplates>
 </file>
 
 <file path=customXml/itemProps1.xml><?xml version="1.0" encoding="utf-8"?>
-<ds:datastoreItem xmlns:ds="http://schemas.openxmlformats.org/officeDocument/2006/customXml" ds:itemID="{EBB7C387-AFDC-4FE3-A658-984B7F35F155}">
+<ds:datastoreItem xmlns:ds="http://schemas.openxmlformats.org/officeDocument/2006/customXml" ds:itemID="{F4E32C0B-4052-44CB-9341-8AD8B2CC4712}">
   <ds:schemaRefs>
-    <ds:schemaRef ds:uri="http://schemas.microsoft.com/sharepoint/v3/contenttype/forms"/>
+    <ds:schemaRef ds:uri="http://schemas.microsoft.com/office/2006/metadata/properties"/>
+    <ds:schemaRef ds:uri="http://schemas.microsoft.com/office/infopath/2007/PartnerControls"/>
+    <ds:schemaRef ds:uri="71af3243-3dd4-4a8d-8c0d-dd76da1f02a5"/>
   </ds:schemaRefs>
 </ds:datastoreItem>
 </file>
@@ -7666,11 +7671,9 @@
 </file>
 
 <file path=customXml/itemProps3.xml><?xml version="1.0" encoding="utf-8"?>
-<ds:datastoreItem xmlns:ds="http://schemas.openxmlformats.org/officeDocument/2006/customXml" ds:itemID="{F4E32C0B-4052-44CB-9341-8AD8B2CC4712}">
+<ds:datastoreItem xmlns:ds="http://schemas.openxmlformats.org/officeDocument/2006/customXml" ds:itemID="{EBB7C387-AFDC-4FE3-A658-984B7F35F155}">
   <ds:schemaRefs>
-    <ds:schemaRef ds:uri="http://schemas.microsoft.com/office/2006/metadata/properties"/>
-    <ds:schemaRef ds:uri="http://schemas.microsoft.com/office/infopath/2007/PartnerControls"/>
-    <ds:schemaRef ds:uri="71af3243-3dd4-4a8d-8c0d-dd76da1f02a5"/>
+    <ds:schemaRef ds:uri="http://schemas.microsoft.com/sharepoint/v3/contenttype/forms"/>
   </ds:schemaRefs>
 </ds:datastoreItem>
 </file>